--- a/AuraDB Knowledge Graph Creation.pptx
+++ b/AuraDB Knowledge Graph Creation.pptx
@@ -8,6 +8,8 @@
     <p:sldId id="256" r:id="rId2"/>
     <p:sldId id="257" r:id="rId3"/>
     <p:sldId id="258" r:id="rId4"/>
+    <p:sldId id="259" r:id="rId5"/>
+    <p:sldId id="260" r:id="rId6"/>
   </p:sldIdLst>
   <p:sldSz cx="12192000" cy="6858000"/>
   <p:notesSz cx="6858000" cy="9144000"/>
@@ -106,6 +108,11 @@
       </a:defRPr>
     </a:lvl9pPr>
   </p:defaultTextStyle>
+  <p:extLst>
+    <p:ext uri="{EFAFB233-063F-42B5-8137-9DF3F51BA10A}">
+      <p15:sldGuideLst xmlns:p15="http://schemas.microsoft.com/office/powerpoint/2012/main"/>
+    </p:ext>
+  </p:extLst>
 </p:presentation>
 </file>
 
@@ -3562,6 +3569,10 @@
               <a:rPr lang="lv-LV" dirty="0" err="1"/>
               <a:t>Query</a:t>
             </a:r>
+            <a:r>
+              <a:rPr lang="lv-LV" dirty="0"/>
+              <a:t> 1</a:t>
+            </a:r>
             <a:endParaRPr lang="en-US" dirty="0"/>
           </a:p>
         </p:txBody>
@@ -3625,6 +3636,242 @@
     <p:extLst>
       <p:ext uri="{BB962C8B-B14F-4D97-AF65-F5344CB8AC3E}">
         <p14:creationId xmlns:p14="http://schemas.microsoft.com/office/powerpoint/2010/main" val="2604911148"/>
+      </p:ext>
+    </p:extLst>
+  </p:cSld>
+  <p:clrMapOvr>
+    <a:masterClrMapping/>
+  </p:clrMapOvr>
+</p:sld>
+</file>
+
+<file path=ppt/slides/slide4.xml><?xml version="1.0" encoding="utf-8"?>
+<p:sld xmlns:a="http://schemas.openxmlformats.org/drawingml/2006/main" xmlns:r="http://schemas.openxmlformats.org/officeDocument/2006/relationships" xmlns:p="http://schemas.openxmlformats.org/presentationml/2006/main">
+  <p:cSld>
+    <p:spTree>
+      <p:nvGrpSpPr>
+        <p:cNvPr id="1" name=""/>
+        <p:cNvGrpSpPr/>
+        <p:nvPr/>
+      </p:nvGrpSpPr>
+      <p:grpSpPr>
+        <a:xfrm>
+          <a:off x="0" y="0"/>
+          <a:ext cx="0" cy="0"/>
+          <a:chOff x="0" y="0"/>
+          <a:chExt cx="0" cy="0"/>
+        </a:xfrm>
+      </p:grpSpPr>
+      <p:sp>
+        <p:nvSpPr>
+          <p:cNvPr id="2" name="Virsraksts 1">
+            <a:extLst>
+              <a:ext uri="{FF2B5EF4-FFF2-40B4-BE49-F238E27FC236}">
+                <a16:creationId xmlns:a16="http://schemas.microsoft.com/office/drawing/2014/main" id="{52F7734E-B9BD-B0FB-CF84-9CFBDAA0451B}"/>
+              </a:ext>
+            </a:extLst>
+          </p:cNvPr>
+          <p:cNvSpPr>
+            <a:spLocks noGrp="1"/>
+          </p:cNvSpPr>
+          <p:nvPr>
+            <p:ph type="title"/>
+          </p:nvPr>
+        </p:nvSpPr>
+        <p:spPr/>
+        <p:txBody>
+          <a:bodyPr/>
+          <a:lstStyle/>
+          <a:p>
+            <a:r>
+              <a:rPr lang="lv-LV" dirty="0" err="1"/>
+              <a:t>Query</a:t>
+            </a:r>
+            <a:r>
+              <a:rPr lang="lv-LV" dirty="0"/>
+              <a:t> 2</a:t>
+            </a:r>
+            <a:endParaRPr lang="en-US" dirty="0"/>
+          </a:p>
+        </p:txBody>
+      </p:sp>
+      <p:sp>
+        <p:nvSpPr>
+          <p:cNvPr id="3" name="Satura vietturis 2">
+            <a:extLst>
+              <a:ext uri="{FF2B5EF4-FFF2-40B4-BE49-F238E27FC236}">
+                <a16:creationId xmlns:a16="http://schemas.microsoft.com/office/drawing/2014/main" id="{508F6E2F-3A48-A26D-6FDF-64F71F2EBCFC}"/>
+              </a:ext>
+            </a:extLst>
+          </p:cNvPr>
+          <p:cNvSpPr>
+            <a:spLocks noGrp="1"/>
+          </p:cNvSpPr>
+          <p:nvPr>
+            <p:ph idx="1"/>
+          </p:nvPr>
+        </p:nvSpPr>
+        <p:spPr/>
+        <p:txBody>
+          <a:bodyPr/>
+          <a:lstStyle/>
+          <a:p>
+            <a:endParaRPr lang="en-US"/>
+          </a:p>
+        </p:txBody>
+      </p:sp>
+      <p:pic>
+        <p:nvPicPr>
+          <p:cNvPr id="5" name="Attēls 4">
+            <a:extLst>
+              <a:ext uri="{FF2B5EF4-FFF2-40B4-BE49-F238E27FC236}">
+                <a16:creationId xmlns:a16="http://schemas.microsoft.com/office/drawing/2014/main" id="{DD9DAEAA-E3E2-91B8-E989-494708066103}"/>
+              </a:ext>
+            </a:extLst>
+          </p:cNvPr>
+          <p:cNvPicPr>
+            <a:picLocks noChangeAspect="1"/>
+          </p:cNvPicPr>
+          <p:nvPr/>
+        </p:nvPicPr>
+        <p:blipFill>
+          <a:blip r:embed="rId2"/>
+          <a:stretch>
+            <a:fillRect/>
+          </a:stretch>
+        </p:blipFill>
+        <p:spPr>
+          <a:xfrm>
+            <a:off x="533400" y="1825625"/>
+            <a:ext cx="10511884" cy="3990623"/>
+          </a:xfrm>
+          <a:prstGeom prst="rect">
+            <a:avLst/>
+          </a:prstGeom>
+        </p:spPr>
+      </p:pic>
+    </p:spTree>
+    <p:extLst>
+      <p:ext uri="{BB962C8B-B14F-4D97-AF65-F5344CB8AC3E}">
+        <p14:creationId xmlns:p14="http://schemas.microsoft.com/office/powerpoint/2010/main" val="3055947715"/>
+      </p:ext>
+    </p:extLst>
+  </p:cSld>
+  <p:clrMapOvr>
+    <a:masterClrMapping/>
+  </p:clrMapOvr>
+</p:sld>
+</file>
+
+<file path=ppt/slides/slide5.xml><?xml version="1.0" encoding="utf-8"?>
+<p:sld xmlns:a="http://schemas.openxmlformats.org/drawingml/2006/main" xmlns:r="http://schemas.openxmlformats.org/officeDocument/2006/relationships" xmlns:p="http://schemas.openxmlformats.org/presentationml/2006/main">
+  <p:cSld>
+    <p:spTree>
+      <p:nvGrpSpPr>
+        <p:cNvPr id="1" name=""/>
+        <p:cNvGrpSpPr/>
+        <p:nvPr/>
+      </p:nvGrpSpPr>
+      <p:grpSpPr>
+        <a:xfrm>
+          <a:off x="0" y="0"/>
+          <a:ext cx="0" cy="0"/>
+          <a:chOff x="0" y="0"/>
+          <a:chExt cx="0" cy="0"/>
+        </a:xfrm>
+      </p:grpSpPr>
+      <p:sp>
+        <p:nvSpPr>
+          <p:cNvPr id="2" name="Virsraksts 1">
+            <a:extLst>
+              <a:ext uri="{FF2B5EF4-FFF2-40B4-BE49-F238E27FC236}">
+                <a16:creationId xmlns:a16="http://schemas.microsoft.com/office/drawing/2014/main" id="{687570F8-D31F-DA3F-6D2F-75E07BB47686}"/>
+              </a:ext>
+            </a:extLst>
+          </p:cNvPr>
+          <p:cNvSpPr>
+            <a:spLocks noGrp="1"/>
+          </p:cNvSpPr>
+          <p:nvPr>
+            <p:ph type="title"/>
+          </p:nvPr>
+        </p:nvSpPr>
+        <p:spPr/>
+        <p:txBody>
+          <a:bodyPr/>
+          <a:lstStyle/>
+          <a:p>
+            <a:r>
+              <a:rPr lang="lv-LV" dirty="0" err="1"/>
+              <a:t>Query</a:t>
+            </a:r>
+            <a:r>
+              <a:rPr lang="lv-LV" dirty="0"/>
+              <a:t> 3</a:t>
+            </a:r>
+            <a:endParaRPr lang="en-US" dirty="0"/>
+          </a:p>
+        </p:txBody>
+      </p:sp>
+      <p:sp>
+        <p:nvSpPr>
+          <p:cNvPr id="3" name="Satura vietturis 2">
+            <a:extLst>
+              <a:ext uri="{FF2B5EF4-FFF2-40B4-BE49-F238E27FC236}">
+                <a16:creationId xmlns:a16="http://schemas.microsoft.com/office/drawing/2014/main" id="{64E87EBE-5959-0FA9-A79A-F18E9701EDD2}"/>
+              </a:ext>
+            </a:extLst>
+          </p:cNvPr>
+          <p:cNvSpPr>
+            <a:spLocks noGrp="1"/>
+          </p:cNvSpPr>
+          <p:nvPr>
+            <p:ph idx="1"/>
+          </p:nvPr>
+        </p:nvSpPr>
+        <p:spPr/>
+        <p:txBody>
+          <a:bodyPr/>
+          <a:lstStyle/>
+          <a:p>
+            <a:endParaRPr lang="en-US"/>
+          </a:p>
+        </p:txBody>
+      </p:sp>
+      <p:pic>
+        <p:nvPicPr>
+          <p:cNvPr id="5" name="Attēls 4">
+            <a:extLst>
+              <a:ext uri="{FF2B5EF4-FFF2-40B4-BE49-F238E27FC236}">
+                <a16:creationId xmlns:a16="http://schemas.microsoft.com/office/drawing/2014/main" id="{2A1A4F75-7499-497A-B437-7F66A6684F0B}"/>
+              </a:ext>
+            </a:extLst>
+          </p:cNvPr>
+          <p:cNvPicPr>
+            <a:picLocks noChangeAspect="1"/>
+          </p:cNvPicPr>
+          <p:nvPr/>
+        </p:nvPicPr>
+        <p:blipFill>
+          <a:blip r:embed="rId2"/>
+          <a:stretch>
+            <a:fillRect/>
+          </a:stretch>
+        </p:blipFill>
+        <p:spPr>
+          <a:xfrm>
+            <a:off x="704850" y="1588753"/>
+            <a:ext cx="10461118" cy="4588210"/>
+          </a:xfrm>
+          <a:prstGeom prst="rect">
+            <a:avLst/>
+          </a:prstGeom>
+        </p:spPr>
+      </p:pic>
+    </p:spTree>
+    <p:extLst>
+      <p:ext uri="{BB962C8B-B14F-4D97-AF65-F5344CB8AC3E}">
+        <p14:creationId xmlns:p14="http://schemas.microsoft.com/office/powerpoint/2010/main" val="203812919"/>
       </p:ext>
     </p:extLst>
   </p:cSld>
